--- a/课程/7/7.pptx
+++ b/课程/7/7.pptx
@@ -649,7 +649,7 @@
           <a:p>
             <a:fld id="{530820CF-B880-4189-942D-D702A7CBA730}" type="datetimeFigureOut">
               <a:rPr lang="zh-CN" altLang="en-US" smtClean="0"/>
-              <a:t>2021/7/18</a:t>
+              <a:t>2022/6/24</a:t>
             </a:fld>
             <a:endParaRPr lang="zh-CN" altLang="en-US"/>
           </a:p>
@@ -1048,7 +1048,7 @@
           <a:p>
             <a:fld id="{530820CF-B880-4189-942D-D702A7CBA730}" type="datetimeFigureOut">
               <a:rPr lang="zh-CN" altLang="en-US" smtClean="0"/>
-              <a:t>2021/7/18</a:t>
+              <a:t>2022/6/24</a:t>
             </a:fld>
             <a:endParaRPr lang="zh-CN" altLang="en-US"/>
           </a:p>
@@ -1308,7 +1308,7 @@
           <a:p>
             <a:fld id="{530820CF-B880-4189-942D-D702A7CBA730}" type="datetimeFigureOut">
               <a:rPr lang="zh-CN" altLang="en-US" smtClean="0"/>
-              <a:t>2021/7/18</a:t>
+              <a:t>2022/6/24</a:t>
             </a:fld>
             <a:endParaRPr lang="zh-CN" altLang="en-US"/>
           </a:p>
@@ -1860,7 +1860,7 @@
           <a:p>
             <a:fld id="{530820CF-B880-4189-942D-D702A7CBA730}" type="datetimeFigureOut">
               <a:rPr lang="zh-CN" altLang="en-US" smtClean="0"/>
-              <a:t>2021/7/18</a:t>
+              <a:t>2022/6/24</a:t>
             </a:fld>
             <a:endParaRPr lang="zh-CN" altLang="en-US"/>
           </a:p>
@@ -2120,7 +2120,7 @@
           <a:p>
             <a:fld id="{530820CF-B880-4189-942D-D702A7CBA730}" type="datetimeFigureOut">
               <a:rPr lang="zh-CN" altLang="en-US" smtClean="0"/>
-              <a:t>2021/7/18</a:t>
+              <a:t>2022/6/24</a:t>
             </a:fld>
             <a:endParaRPr lang="zh-CN" altLang="en-US"/>
           </a:p>
@@ -2664,7 +2664,7 @@
           <a:p>
             <a:fld id="{530820CF-B880-4189-942D-D702A7CBA730}" type="datetimeFigureOut">
               <a:rPr lang="zh-CN" altLang="en-US" smtClean="0"/>
-              <a:t>2021/7/18</a:t>
+              <a:t>2022/6/24</a:t>
             </a:fld>
             <a:endParaRPr lang="zh-CN" altLang="en-US"/>
           </a:p>
@@ -2973,7 +2973,7 @@
           <a:p>
             <a:fld id="{530820CF-B880-4189-942D-D702A7CBA730}" type="datetimeFigureOut">
               <a:rPr lang="zh-CN" altLang="en-US" smtClean="0"/>
-              <a:t>2021/7/18</a:t>
+              <a:t>2022/6/24</a:t>
             </a:fld>
             <a:endParaRPr lang="zh-CN" altLang="en-US"/>
           </a:p>
@@ -3159,7 +3159,7 @@
           <a:p>
             <a:fld id="{530820CF-B880-4189-942D-D702A7CBA730}" type="datetimeFigureOut">
               <a:rPr lang="zh-CN" altLang="en-US" smtClean="0"/>
-              <a:t>2021/7/18</a:t>
+              <a:t>2022/6/24</a:t>
             </a:fld>
             <a:endParaRPr lang="zh-CN" altLang="en-US"/>
           </a:p>
@@ -3351,7 +3351,7 @@
           <a:p>
             <a:fld id="{530820CF-B880-4189-942D-D702A7CBA730}" type="datetimeFigureOut">
               <a:rPr lang="zh-CN" altLang="en-US" smtClean="0"/>
-              <a:t>2021/7/18</a:t>
+              <a:t>2022/6/24</a:t>
             </a:fld>
             <a:endParaRPr lang="zh-CN" altLang="en-US"/>
           </a:p>
@@ -3548,7 +3548,7 @@
           <a:p>
             <a:fld id="{530820CF-B880-4189-942D-D702A7CBA730}" type="datetimeFigureOut">
               <a:rPr lang="zh-CN" altLang="en-US" smtClean="0"/>
-              <a:t>2021/7/18</a:t>
+              <a:t>2022/6/24</a:t>
             </a:fld>
             <a:endParaRPr lang="zh-CN" altLang="en-US"/>
           </a:p>
@@ -3816,7 +3816,7 @@
           <a:p>
             <a:fld id="{530820CF-B880-4189-942D-D702A7CBA730}" type="datetimeFigureOut">
               <a:rPr lang="zh-CN" altLang="en-US" smtClean="0"/>
-              <a:t>2021/7/18</a:t>
+              <a:t>2022/6/24</a:t>
             </a:fld>
             <a:endParaRPr lang="zh-CN" altLang="en-US"/>
           </a:p>
@@ -4130,7 +4130,7 @@
           <a:p>
             <a:fld id="{530820CF-B880-4189-942D-D702A7CBA730}" type="datetimeFigureOut">
               <a:rPr lang="zh-CN" altLang="en-US" smtClean="0"/>
-              <a:t>2021/7/18</a:t>
+              <a:t>2022/6/24</a:t>
             </a:fld>
             <a:endParaRPr lang="zh-CN" altLang="en-US"/>
           </a:p>
@@ -4584,7 +4584,7 @@
           <a:p>
             <a:fld id="{530820CF-B880-4189-942D-D702A7CBA730}" type="datetimeFigureOut">
               <a:rPr lang="zh-CN" altLang="en-US" smtClean="0"/>
-              <a:t>2021/7/18</a:t>
+              <a:t>2022/6/24</a:t>
             </a:fld>
             <a:endParaRPr lang="zh-CN" altLang="en-US"/>
           </a:p>
@@ -4714,7 +4714,7 @@
           <a:p>
             <a:fld id="{530820CF-B880-4189-942D-D702A7CBA730}" type="datetimeFigureOut">
               <a:rPr lang="zh-CN" altLang="en-US" smtClean="0"/>
-              <a:t>2021/7/18</a:t>
+              <a:t>2022/6/24</a:t>
             </a:fld>
             <a:endParaRPr lang="zh-CN" altLang="en-US"/>
           </a:p>
@@ -4821,7 +4821,7 @@
           <a:p>
             <a:fld id="{530820CF-B880-4189-942D-D702A7CBA730}" type="datetimeFigureOut">
               <a:rPr lang="zh-CN" altLang="en-US" smtClean="0"/>
-              <a:t>2021/7/18</a:t>
+              <a:t>2022/6/24</a:t>
             </a:fld>
             <a:endParaRPr lang="zh-CN" altLang="en-US"/>
           </a:p>
@@ -5116,7 +5116,7 @@
           <a:p>
             <a:fld id="{530820CF-B880-4189-942D-D702A7CBA730}" type="datetimeFigureOut">
               <a:rPr lang="zh-CN" altLang="en-US" smtClean="0"/>
-              <a:t>2021/7/18</a:t>
+              <a:t>2022/6/24</a:t>
             </a:fld>
             <a:endParaRPr lang="zh-CN" altLang="en-US"/>
           </a:p>
@@ -5419,7 +5419,7 @@
           <a:p>
             <a:fld id="{530820CF-B880-4189-942D-D702A7CBA730}" type="datetimeFigureOut">
               <a:rPr lang="zh-CN" altLang="en-US" smtClean="0"/>
-              <a:t>2021/7/18</a:t>
+              <a:t>2022/6/24</a:t>
             </a:fld>
             <a:endParaRPr lang="zh-CN" altLang="en-US"/>
           </a:p>
@@ -5955,7 +5955,7 @@
           <a:p>
             <a:fld id="{530820CF-B880-4189-942D-D702A7CBA730}" type="datetimeFigureOut">
               <a:rPr lang="zh-CN" altLang="en-US" smtClean="0"/>
-              <a:t>2021/7/18</a:t>
+              <a:t>2022/6/24</a:t>
             </a:fld>
             <a:endParaRPr lang="zh-CN" altLang="en-US"/>
           </a:p>
@@ -6521,7 +6521,7 @@
             <a:pPr algn="ctr"/>
             <a:r>
               <a:rPr lang="en-US" altLang="zh-CN" b="1" dirty="0"/>
-              <a:t>2021</a:t>
+              <a:t>2022</a:t>
             </a:r>
             <a:r>
               <a:rPr lang="zh-CN" altLang="en-US" b="1" dirty="0"/>
@@ -6589,6 +6589,36 @@
           </a:p>
         </p:txBody>
       </p:sp>
+      <p:pic>
+        <p:nvPicPr>
+          <p:cNvPr id="4" name="图片 3">
+            <a:extLst>
+              <a:ext uri="{FF2B5EF4-FFF2-40B4-BE49-F238E27FC236}">
+                <a16:creationId xmlns:a16="http://schemas.microsoft.com/office/drawing/2014/main" id="{A3E8BF19-D4E0-2E7A-C854-86EF330DAE79}"/>
+              </a:ext>
+            </a:extLst>
+          </p:cNvPr>
+          <p:cNvPicPr>
+            <a:picLocks noChangeAspect="1"/>
+          </p:cNvPicPr>
+          <p:nvPr/>
+        </p:nvPicPr>
+        <p:blipFill>
+          <a:blip r:embed="rId2"/>
+          <a:stretch>
+            <a:fillRect/>
+          </a:stretch>
+        </p:blipFill>
+        <p:spPr>
+          <a:xfrm>
+            <a:off x="6877686" y="7620"/>
+            <a:ext cx="3772535" cy="673100"/>
+          </a:xfrm>
+          <a:prstGeom prst="rect">
+            <a:avLst/>
+          </a:prstGeom>
+        </p:spPr>
+      </p:pic>
     </p:spTree>
   </p:cSld>
   <p:clrMapOvr>
@@ -6760,6 +6790,36 @@
           <a:xfrm>
             <a:off x="8879166" y="3385258"/>
             <a:ext cx="2703235" cy="1896299"/>
+          </a:xfrm>
+          <a:prstGeom prst="rect">
+            <a:avLst/>
+          </a:prstGeom>
+        </p:spPr>
+      </p:pic>
+      <p:pic>
+        <p:nvPicPr>
+          <p:cNvPr id="5" name="图片 4">
+            <a:extLst>
+              <a:ext uri="{FF2B5EF4-FFF2-40B4-BE49-F238E27FC236}">
+                <a16:creationId xmlns:a16="http://schemas.microsoft.com/office/drawing/2014/main" id="{D924F5B9-9E27-1880-527F-0D1586C31CC2}"/>
+              </a:ext>
+            </a:extLst>
+          </p:cNvPr>
+          <p:cNvPicPr>
+            <a:picLocks noChangeAspect="1"/>
+          </p:cNvPicPr>
+          <p:nvPr/>
+        </p:nvPicPr>
+        <p:blipFill>
+          <a:blip r:embed="rId3"/>
+          <a:stretch>
+            <a:fillRect/>
+          </a:stretch>
+        </p:blipFill>
+        <p:spPr>
+          <a:xfrm>
+            <a:off x="6877686" y="7620"/>
+            <a:ext cx="3772535" cy="673100"/>
           </a:xfrm>
           <a:prstGeom prst="rect">
             <a:avLst/>
@@ -7158,6 +7218,36 @@
           </a:graphicData>
         </a:graphic>
       </p:graphicFrame>
+      <p:pic>
+        <p:nvPicPr>
+          <p:cNvPr id="4" name="图片 3">
+            <a:extLst>
+              <a:ext uri="{FF2B5EF4-FFF2-40B4-BE49-F238E27FC236}">
+                <a16:creationId xmlns:a16="http://schemas.microsoft.com/office/drawing/2014/main" id="{C7BE078D-A7F2-9834-3C05-084BE8B95605}"/>
+              </a:ext>
+            </a:extLst>
+          </p:cNvPr>
+          <p:cNvPicPr>
+            <a:picLocks noChangeAspect="1"/>
+          </p:cNvPicPr>
+          <p:nvPr/>
+        </p:nvPicPr>
+        <p:blipFill>
+          <a:blip r:embed="rId2"/>
+          <a:stretch>
+            <a:fillRect/>
+          </a:stretch>
+        </p:blipFill>
+        <p:spPr>
+          <a:xfrm>
+            <a:off x="6877686" y="7620"/>
+            <a:ext cx="3772535" cy="673100"/>
+          </a:xfrm>
+          <a:prstGeom prst="rect">
+            <a:avLst/>
+          </a:prstGeom>
+        </p:spPr>
+      </p:pic>
     </p:spTree>
     <p:extLst>
       <p:ext uri="{BB962C8B-B14F-4D97-AF65-F5344CB8AC3E}">
@@ -7259,6 +7349,36 @@
           <a:xfrm>
             <a:off x="1835856" y="2306324"/>
             <a:ext cx="9220200" cy="3362325"/>
+          </a:xfrm>
+          <a:prstGeom prst="rect">
+            <a:avLst/>
+          </a:prstGeom>
+        </p:spPr>
+      </p:pic>
+      <p:pic>
+        <p:nvPicPr>
+          <p:cNvPr id="5" name="图片 4">
+            <a:extLst>
+              <a:ext uri="{FF2B5EF4-FFF2-40B4-BE49-F238E27FC236}">
+                <a16:creationId xmlns:a16="http://schemas.microsoft.com/office/drawing/2014/main" id="{F381FBED-9B4E-F82E-E75D-8A47F61B3DFD}"/>
+              </a:ext>
+            </a:extLst>
+          </p:cNvPr>
+          <p:cNvPicPr>
+            <a:picLocks noChangeAspect="1"/>
+          </p:cNvPicPr>
+          <p:nvPr/>
+        </p:nvPicPr>
+        <p:blipFill>
+          <a:blip r:embed="rId3"/>
+          <a:stretch>
+            <a:fillRect/>
+          </a:stretch>
+        </p:blipFill>
+        <p:spPr>
+          <a:xfrm>
+            <a:off x="6877686" y="7620"/>
+            <a:ext cx="3772535" cy="673100"/>
           </a:xfrm>
           <a:prstGeom prst="rect">
             <a:avLst/>
@@ -7499,6 +7619,36 @@
           </a:p>
         </p:txBody>
       </p:sp>
+      <p:pic>
+        <p:nvPicPr>
+          <p:cNvPr id="4" name="图片 3">
+            <a:extLst>
+              <a:ext uri="{FF2B5EF4-FFF2-40B4-BE49-F238E27FC236}">
+                <a16:creationId xmlns:a16="http://schemas.microsoft.com/office/drawing/2014/main" id="{561D36ED-B88C-7621-E7B5-D583D69AD6D6}"/>
+              </a:ext>
+            </a:extLst>
+          </p:cNvPr>
+          <p:cNvPicPr>
+            <a:picLocks noChangeAspect="1"/>
+          </p:cNvPicPr>
+          <p:nvPr/>
+        </p:nvPicPr>
+        <p:blipFill>
+          <a:blip r:embed="rId2"/>
+          <a:stretch>
+            <a:fillRect/>
+          </a:stretch>
+        </p:blipFill>
+        <p:spPr>
+          <a:xfrm>
+            <a:off x="6877686" y="7620"/>
+            <a:ext cx="3772535" cy="673100"/>
+          </a:xfrm>
+          <a:prstGeom prst="rect">
+            <a:avLst/>
+          </a:prstGeom>
+        </p:spPr>
+      </p:pic>
     </p:spTree>
     <p:extLst>
       <p:ext uri="{BB962C8B-B14F-4D97-AF65-F5344CB8AC3E}">
@@ -9075,6 +9225,36 @@
           </a:prstGeom>
         </p:spPr>
       </p:pic>
+      <p:pic>
+        <p:nvPicPr>
+          <p:cNvPr id="7" name="图片 6">
+            <a:extLst>
+              <a:ext uri="{FF2B5EF4-FFF2-40B4-BE49-F238E27FC236}">
+                <a16:creationId xmlns:a16="http://schemas.microsoft.com/office/drawing/2014/main" id="{D28ED0D5-B7A2-3A6E-EA25-BD1BCC120C8E}"/>
+              </a:ext>
+            </a:extLst>
+          </p:cNvPr>
+          <p:cNvPicPr>
+            <a:picLocks noChangeAspect="1"/>
+          </p:cNvPicPr>
+          <p:nvPr/>
+        </p:nvPicPr>
+        <p:blipFill>
+          <a:blip r:embed="rId3"/>
+          <a:stretch>
+            <a:fillRect/>
+          </a:stretch>
+        </p:blipFill>
+        <p:spPr>
+          <a:xfrm>
+            <a:off x="6877686" y="7620"/>
+            <a:ext cx="3772535" cy="673100"/>
+          </a:xfrm>
+          <a:prstGeom prst="rect">
+            <a:avLst/>
+          </a:prstGeom>
+        </p:spPr>
+      </p:pic>
     </p:spTree>
     <p:extLst>
       <p:ext uri="{BB962C8B-B14F-4D97-AF65-F5344CB8AC3E}">
@@ -9177,6 +9357,36 @@
           <a:xfrm>
             <a:off x="3505906" y="2049461"/>
             <a:ext cx="5880100" cy="4351338"/>
+          </a:xfrm>
+          <a:prstGeom prst="rect">
+            <a:avLst/>
+          </a:prstGeom>
+        </p:spPr>
+      </p:pic>
+      <p:pic>
+        <p:nvPicPr>
+          <p:cNvPr id="5" name="图片 4">
+            <a:extLst>
+              <a:ext uri="{FF2B5EF4-FFF2-40B4-BE49-F238E27FC236}">
+                <a16:creationId xmlns:a16="http://schemas.microsoft.com/office/drawing/2014/main" id="{A7754A2A-0943-4417-2322-0B79D3AEDB64}"/>
+              </a:ext>
+            </a:extLst>
+          </p:cNvPr>
+          <p:cNvPicPr>
+            <a:picLocks noChangeAspect="1"/>
+          </p:cNvPicPr>
+          <p:nvPr/>
+        </p:nvPicPr>
+        <p:blipFill>
+          <a:blip r:embed="rId3"/>
+          <a:stretch>
+            <a:fillRect/>
+          </a:stretch>
+        </p:blipFill>
+        <p:spPr>
+          <a:xfrm>
+            <a:off x="6877686" y="7620"/>
+            <a:ext cx="3772535" cy="673100"/>
           </a:xfrm>
           <a:prstGeom prst="rect">
             <a:avLst/>
@@ -9255,6 +9465,36 @@
           </a:prstGeom>
         </p:spPr>
       </p:pic>
+      <p:pic>
+        <p:nvPicPr>
+          <p:cNvPr id="3" name="图片 2">
+            <a:extLst>
+              <a:ext uri="{FF2B5EF4-FFF2-40B4-BE49-F238E27FC236}">
+                <a16:creationId xmlns:a16="http://schemas.microsoft.com/office/drawing/2014/main" id="{A4C9BF11-8687-07FC-A130-3B6F18E84813}"/>
+              </a:ext>
+            </a:extLst>
+          </p:cNvPr>
+          <p:cNvPicPr>
+            <a:picLocks noChangeAspect="1"/>
+          </p:cNvPicPr>
+          <p:nvPr/>
+        </p:nvPicPr>
+        <p:blipFill>
+          <a:blip r:embed="rId3"/>
+          <a:stretch>
+            <a:fillRect/>
+          </a:stretch>
+        </p:blipFill>
+        <p:spPr>
+          <a:xfrm>
+            <a:off x="6877686" y="7620"/>
+            <a:ext cx="3772535" cy="673100"/>
+          </a:xfrm>
+          <a:prstGeom prst="rect">
+            <a:avLst/>
+          </a:prstGeom>
+        </p:spPr>
+      </p:pic>
     </p:spTree>
     <p:extLst>
       <p:ext uri="{BB962C8B-B14F-4D97-AF65-F5344CB8AC3E}">
@@ -9381,6 +9621,36 @@
           </a:p>
         </p:txBody>
       </p:sp>
+      <p:pic>
+        <p:nvPicPr>
+          <p:cNvPr id="4" name="图片 3">
+            <a:extLst>
+              <a:ext uri="{FF2B5EF4-FFF2-40B4-BE49-F238E27FC236}">
+                <a16:creationId xmlns:a16="http://schemas.microsoft.com/office/drawing/2014/main" id="{4F61C42A-65D2-0217-2FE1-5DB1AF5528CB}"/>
+              </a:ext>
+            </a:extLst>
+          </p:cNvPr>
+          <p:cNvPicPr>
+            <a:picLocks noChangeAspect="1"/>
+          </p:cNvPicPr>
+          <p:nvPr/>
+        </p:nvPicPr>
+        <p:blipFill>
+          <a:blip r:embed="rId2"/>
+          <a:stretch>
+            <a:fillRect/>
+          </a:stretch>
+        </p:blipFill>
+        <p:spPr>
+          <a:xfrm>
+            <a:off x="6877686" y="7620"/>
+            <a:ext cx="3772535" cy="673100"/>
+          </a:xfrm>
+          <a:prstGeom prst="rect">
+            <a:avLst/>
+          </a:prstGeom>
+        </p:spPr>
+      </p:pic>
     </p:spTree>
     <p:extLst>
       <p:ext uri="{BB962C8B-B14F-4D97-AF65-F5344CB8AC3E}">
@@ -9594,6 +9864,36 @@
           </a:p>
         </p:txBody>
       </p:sp>
+      <p:pic>
+        <p:nvPicPr>
+          <p:cNvPr id="4" name="图片 3">
+            <a:extLst>
+              <a:ext uri="{FF2B5EF4-FFF2-40B4-BE49-F238E27FC236}">
+                <a16:creationId xmlns:a16="http://schemas.microsoft.com/office/drawing/2014/main" id="{226BB5A3-21C0-0924-8E14-FB9AF392A41D}"/>
+              </a:ext>
+            </a:extLst>
+          </p:cNvPr>
+          <p:cNvPicPr>
+            <a:picLocks noChangeAspect="1"/>
+          </p:cNvPicPr>
+          <p:nvPr/>
+        </p:nvPicPr>
+        <p:blipFill>
+          <a:blip r:embed="rId2"/>
+          <a:stretch>
+            <a:fillRect/>
+          </a:stretch>
+        </p:blipFill>
+        <p:spPr>
+          <a:xfrm>
+            <a:off x="6877686" y="7620"/>
+            <a:ext cx="3772535" cy="673100"/>
+          </a:xfrm>
+          <a:prstGeom prst="rect">
+            <a:avLst/>
+          </a:prstGeom>
+        </p:spPr>
+      </p:pic>
     </p:spTree>
     <p:extLst>
       <p:ext uri="{BB962C8B-B14F-4D97-AF65-F5344CB8AC3E}">
@@ -9722,6 +10022,36 @@
           <a:xfrm>
             <a:off x="7255498" y="2814924"/>
             <a:ext cx="4326903" cy="2828925"/>
+          </a:xfrm>
+          <a:prstGeom prst="rect">
+            <a:avLst/>
+          </a:prstGeom>
+        </p:spPr>
+      </p:pic>
+      <p:pic>
+        <p:nvPicPr>
+          <p:cNvPr id="5" name="图片 4">
+            <a:extLst>
+              <a:ext uri="{FF2B5EF4-FFF2-40B4-BE49-F238E27FC236}">
+                <a16:creationId xmlns:a16="http://schemas.microsoft.com/office/drawing/2014/main" id="{FEDFF880-AE2D-06A6-1840-F5EBB2039614}"/>
+              </a:ext>
+            </a:extLst>
+          </p:cNvPr>
+          <p:cNvPicPr>
+            <a:picLocks noChangeAspect="1"/>
+          </p:cNvPicPr>
+          <p:nvPr/>
+        </p:nvPicPr>
+        <p:blipFill>
+          <a:blip r:embed="rId4"/>
+          <a:stretch>
+            <a:fillRect/>
+          </a:stretch>
+        </p:blipFill>
+        <p:spPr>
+          <a:xfrm>
+            <a:off x="6877686" y="7620"/>
+            <a:ext cx="3772535" cy="673100"/>
           </a:xfrm>
           <a:prstGeom prst="rect">
             <a:avLst/>
@@ -9951,6 +10281,36 @@
           </a:p>
         </p:txBody>
       </p:sp>
+      <p:pic>
+        <p:nvPicPr>
+          <p:cNvPr id="4" name="图片 3">
+            <a:extLst>
+              <a:ext uri="{FF2B5EF4-FFF2-40B4-BE49-F238E27FC236}">
+                <a16:creationId xmlns:a16="http://schemas.microsoft.com/office/drawing/2014/main" id="{12269B6E-1A9B-93C9-65EF-D9904B373441}"/>
+              </a:ext>
+            </a:extLst>
+          </p:cNvPr>
+          <p:cNvPicPr>
+            <a:picLocks noChangeAspect="1"/>
+          </p:cNvPicPr>
+          <p:nvPr/>
+        </p:nvPicPr>
+        <p:blipFill>
+          <a:blip r:embed="rId4"/>
+          <a:stretch>
+            <a:fillRect/>
+          </a:stretch>
+        </p:blipFill>
+        <p:spPr>
+          <a:xfrm>
+            <a:off x="6877686" y="7620"/>
+            <a:ext cx="3772535" cy="673100"/>
+          </a:xfrm>
+          <a:prstGeom prst="rect">
+            <a:avLst/>
+          </a:prstGeom>
+        </p:spPr>
+      </p:pic>
     </p:spTree>
     <p:extLst>
       <p:ext uri="{BB962C8B-B14F-4D97-AF65-F5344CB8AC3E}">
@@ -10115,6 +10475,36 @@
           </a:p>
         </p:txBody>
       </p:sp>
+      <p:pic>
+        <p:nvPicPr>
+          <p:cNvPr id="4" name="图片 3">
+            <a:extLst>
+              <a:ext uri="{FF2B5EF4-FFF2-40B4-BE49-F238E27FC236}">
+                <a16:creationId xmlns:a16="http://schemas.microsoft.com/office/drawing/2014/main" id="{97C1FAF8-0204-609F-7F28-169490903D85}"/>
+              </a:ext>
+            </a:extLst>
+          </p:cNvPr>
+          <p:cNvPicPr>
+            <a:picLocks noChangeAspect="1"/>
+          </p:cNvPicPr>
+          <p:nvPr/>
+        </p:nvPicPr>
+        <p:blipFill>
+          <a:blip r:embed="rId2"/>
+          <a:stretch>
+            <a:fillRect/>
+          </a:stretch>
+        </p:blipFill>
+        <p:spPr>
+          <a:xfrm>
+            <a:off x="6877686" y="7620"/>
+            <a:ext cx="3772535" cy="673100"/>
+          </a:xfrm>
+          <a:prstGeom prst="rect">
+            <a:avLst/>
+          </a:prstGeom>
+        </p:spPr>
+      </p:pic>
     </p:spTree>
     <p:extLst>
       <p:ext uri="{BB962C8B-B14F-4D97-AF65-F5344CB8AC3E}">
@@ -10354,6 +10744,36 @@
           </a:p>
         </p:txBody>
       </p:sp>
+      <p:pic>
+        <p:nvPicPr>
+          <p:cNvPr id="4" name="图片 3">
+            <a:extLst>
+              <a:ext uri="{FF2B5EF4-FFF2-40B4-BE49-F238E27FC236}">
+                <a16:creationId xmlns:a16="http://schemas.microsoft.com/office/drawing/2014/main" id="{7D7930CA-87CD-0CCC-50F8-01642DDFAFBD}"/>
+              </a:ext>
+            </a:extLst>
+          </p:cNvPr>
+          <p:cNvPicPr>
+            <a:picLocks noChangeAspect="1"/>
+          </p:cNvPicPr>
+          <p:nvPr/>
+        </p:nvPicPr>
+        <p:blipFill>
+          <a:blip r:embed="rId2"/>
+          <a:stretch>
+            <a:fillRect/>
+          </a:stretch>
+        </p:blipFill>
+        <p:spPr>
+          <a:xfrm>
+            <a:off x="6877686" y="7620"/>
+            <a:ext cx="3772535" cy="673100"/>
+          </a:xfrm>
+          <a:prstGeom prst="rect">
+            <a:avLst/>
+          </a:prstGeom>
+        </p:spPr>
+      </p:pic>
     </p:spTree>
     <p:extLst>
       <p:ext uri="{BB962C8B-B14F-4D97-AF65-F5344CB8AC3E}">
@@ -10578,6 +10998,36 @@
           </a:p>
         </p:txBody>
       </p:sp>
+      <p:pic>
+        <p:nvPicPr>
+          <p:cNvPr id="4" name="图片 3">
+            <a:extLst>
+              <a:ext uri="{FF2B5EF4-FFF2-40B4-BE49-F238E27FC236}">
+                <a16:creationId xmlns:a16="http://schemas.microsoft.com/office/drawing/2014/main" id="{92A6AA62-DA44-363C-8CA2-BE8C149E6F19}"/>
+              </a:ext>
+            </a:extLst>
+          </p:cNvPr>
+          <p:cNvPicPr>
+            <a:picLocks noChangeAspect="1"/>
+          </p:cNvPicPr>
+          <p:nvPr/>
+        </p:nvPicPr>
+        <p:blipFill>
+          <a:blip r:embed="rId2"/>
+          <a:stretch>
+            <a:fillRect/>
+          </a:stretch>
+        </p:blipFill>
+        <p:spPr>
+          <a:xfrm>
+            <a:off x="6877686" y="7620"/>
+            <a:ext cx="3772535" cy="673100"/>
+          </a:xfrm>
+          <a:prstGeom prst="rect">
+            <a:avLst/>
+          </a:prstGeom>
+        </p:spPr>
+      </p:pic>
     </p:spTree>
     <p:extLst>
       <p:ext uri="{BB962C8B-B14F-4D97-AF65-F5344CB8AC3E}">
@@ -10676,6 +11126,36 @@
           <a:xfrm>
             <a:off x="3878968" y="2438401"/>
             <a:ext cx="5133975" cy="3562350"/>
+          </a:xfrm>
+          <a:prstGeom prst="rect">
+            <a:avLst/>
+          </a:prstGeom>
+        </p:spPr>
+      </p:pic>
+      <p:pic>
+        <p:nvPicPr>
+          <p:cNvPr id="4" name="图片 3">
+            <a:extLst>
+              <a:ext uri="{FF2B5EF4-FFF2-40B4-BE49-F238E27FC236}">
+                <a16:creationId xmlns:a16="http://schemas.microsoft.com/office/drawing/2014/main" id="{BA587B03-E264-B282-E21B-626949B27173}"/>
+              </a:ext>
+            </a:extLst>
+          </p:cNvPr>
+          <p:cNvPicPr>
+            <a:picLocks noChangeAspect="1"/>
+          </p:cNvPicPr>
+          <p:nvPr/>
+        </p:nvPicPr>
+        <p:blipFill>
+          <a:blip r:embed="rId3"/>
+          <a:stretch>
+            <a:fillRect/>
+          </a:stretch>
+        </p:blipFill>
+        <p:spPr>
+          <a:xfrm>
+            <a:off x="6877686" y="7620"/>
+            <a:ext cx="3772535" cy="673100"/>
           </a:xfrm>
           <a:prstGeom prst="rect">
             <a:avLst/>
@@ -10789,6 +11269,36 @@
           </a:prstGeom>
         </p:spPr>
       </p:pic>
+      <p:pic>
+        <p:nvPicPr>
+          <p:cNvPr id="4" name="图片 3">
+            <a:extLst>
+              <a:ext uri="{FF2B5EF4-FFF2-40B4-BE49-F238E27FC236}">
+                <a16:creationId xmlns:a16="http://schemas.microsoft.com/office/drawing/2014/main" id="{B4D20A25-F321-5941-C090-14D9569F3EAE}"/>
+              </a:ext>
+            </a:extLst>
+          </p:cNvPr>
+          <p:cNvPicPr>
+            <a:picLocks noChangeAspect="1"/>
+          </p:cNvPicPr>
+          <p:nvPr/>
+        </p:nvPicPr>
+        <p:blipFill>
+          <a:blip r:embed="rId3"/>
+          <a:stretch>
+            <a:fillRect/>
+          </a:stretch>
+        </p:blipFill>
+        <p:spPr>
+          <a:xfrm>
+            <a:off x="6877686" y="7620"/>
+            <a:ext cx="3772535" cy="673100"/>
+          </a:xfrm>
+          <a:prstGeom prst="rect">
+            <a:avLst/>
+          </a:prstGeom>
+        </p:spPr>
+      </p:pic>
     </p:spTree>
     <p:extLst>
       <p:ext uri="{BB962C8B-B14F-4D97-AF65-F5344CB8AC3E}">
@@ -11041,6 +11551,36 @@
           </a:p>
         </p:txBody>
       </p:sp>
+      <p:pic>
+        <p:nvPicPr>
+          <p:cNvPr id="4" name="图片 3">
+            <a:extLst>
+              <a:ext uri="{FF2B5EF4-FFF2-40B4-BE49-F238E27FC236}">
+                <a16:creationId xmlns:a16="http://schemas.microsoft.com/office/drawing/2014/main" id="{59E00346-7CF2-9472-BD15-05A1E350FF7C}"/>
+              </a:ext>
+            </a:extLst>
+          </p:cNvPr>
+          <p:cNvPicPr>
+            <a:picLocks noChangeAspect="1"/>
+          </p:cNvPicPr>
+          <p:nvPr/>
+        </p:nvPicPr>
+        <p:blipFill>
+          <a:blip r:embed="rId2"/>
+          <a:stretch>
+            <a:fillRect/>
+          </a:stretch>
+        </p:blipFill>
+        <p:spPr>
+          <a:xfrm>
+            <a:off x="6877686" y="7620"/>
+            <a:ext cx="3772535" cy="673100"/>
+          </a:xfrm>
+          <a:prstGeom prst="rect">
+            <a:avLst/>
+          </a:prstGeom>
+        </p:spPr>
+      </p:pic>
     </p:spTree>
     <p:extLst>
       <p:ext uri="{BB962C8B-B14F-4D97-AF65-F5344CB8AC3E}">
@@ -11242,6 +11782,36 @@
           </a:p>
         </p:txBody>
       </p:sp>
+      <p:pic>
+        <p:nvPicPr>
+          <p:cNvPr id="4" name="图片 3">
+            <a:extLst>
+              <a:ext uri="{FF2B5EF4-FFF2-40B4-BE49-F238E27FC236}">
+                <a16:creationId xmlns:a16="http://schemas.microsoft.com/office/drawing/2014/main" id="{14D0A632-CA11-A6A3-23FE-559D8596A893}"/>
+              </a:ext>
+            </a:extLst>
+          </p:cNvPr>
+          <p:cNvPicPr>
+            <a:picLocks noChangeAspect="1"/>
+          </p:cNvPicPr>
+          <p:nvPr/>
+        </p:nvPicPr>
+        <p:blipFill>
+          <a:blip r:embed="rId2"/>
+          <a:stretch>
+            <a:fillRect/>
+          </a:stretch>
+        </p:blipFill>
+        <p:spPr>
+          <a:xfrm>
+            <a:off x="6877686" y="7620"/>
+            <a:ext cx="3772535" cy="673100"/>
+          </a:xfrm>
+          <a:prstGeom prst="rect">
+            <a:avLst/>
+          </a:prstGeom>
+        </p:spPr>
+      </p:pic>
     </p:spTree>
     <p:extLst>
       <p:ext uri="{BB962C8B-B14F-4D97-AF65-F5344CB8AC3E}">
@@ -11419,6 +11989,36 @@
           </a:p>
         </p:txBody>
       </p:sp>
+      <p:pic>
+        <p:nvPicPr>
+          <p:cNvPr id="5" name="图片 4">
+            <a:extLst>
+              <a:ext uri="{FF2B5EF4-FFF2-40B4-BE49-F238E27FC236}">
+                <a16:creationId xmlns:a16="http://schemas.microsoft.com/office/drawing/2014/main" id="{CB355AA4-AD67-05AB-86E8-9E72A0F60557}"/>
+              </a:ext>
+            </a:extLst>
+          </p:cNvPr>
+          <p:cNvPicPr>
+            <a:picLocks noChangeAspect="1"/>
+          </p:cNvPicPr>
+          <p:nvPr/>
+        </p:nvPicPr>
+        <p:blipFill>
+          <a:blip r:embed="rId3"/>
+          <a:stretch>
+            <a:fillRect/>
+          </a:stretch>
+        </p:blipFill>
+        <p:spPr>
+          <a:xfrm>
+            <a:off x="6877686" y="7620"/>
+            <a:ext cx="3772535" cy="673100"/>
+          </a:xfrm>
+          <a:prstGeom prst="rect">
+            <a:avLst/>
+          </a:prstGeom>
+        </p:spPr>
+      </p:pic>
     </p:spTree>
     <p:extLst>
       <p:ext uri="{BB962C8B-B14F-4D97-AF65-F5344CB8AC3E}">
@@ -11635,6 +12235,36 @@
           </a:p>
         </p:txBody>
       </p:sp>
+      <p:pic>
+        <p:nvPicPr>
+          <p:cNvPr id="4" name="图片 3">
+            <a:extLst>
+              <a:ext uri="{FF2B5EF4-FFF2-40B4-BE49-F238E27FC236}">
+                <a16:creationId xmlns:a16="http://schemas.microsoft.com/office/drawing/2014/main" id="{BEEE78D9-E32F-A54A-DD8B-C2A18180DAF5}"/>
+              </a:ext>
+            </a:extLst>
+          </p:cNvPr>
+          <p:cNvPicPr>
+            <a:picLocks noChangeAspect="1"/>
+          </p:cNvPicPr>
+          <p:nvPr/>
+        </p:nvPicPr>
+        <p:blipFill>
+          <a:blip r:embed="rId2"/>
+          <a:stretch>
+            <a:fillRect/>
+          </a:stretch>
+        </p:blipFill>
+        <p:spPr>
+          <a:xfrm>
+            <a:off x="6877686" y="7620"/>
+            <a:ext cx="3772535" cy="673100"/>
+          </a:xfrm>
+          <a:prstGeom prst="rect">
+            <a:avLst/>
+          </a:prstGeom>
+        </p:spPr>
+      </p:pic>
     </p:spTree>
     <p:extLst>
       <p:ext uri="{BB962C8B-B14F-4D97-AF65-F5344CB8AC3E}">
@@ -11819,6 +12449,36 @@
           </a:p>
         </p:txBody>
       </p:sp>
+      <p:pic>
+        <p:nvPicPr>
+          <p:cNvPr id="6" name="图片 5">
+            <a:extLst>
+              <a:ext uri="{FF2B5EF4-FFF2-40B4-BE49-F238E27FC236}">
+                <a16:creationId xmlns:a16="http://schemas.microsoft.com/office/drawing/2014/main" id="{ADEF5744-AE98-A65A-148F-006D6A18BB11}"/>
+              </a:ext>
+            </a:extLst>
+          </p:cNvPr>
+          <p:cNvPicPr>
+            <a:picLocks noChangeAspect="1"/>
+          </p:cNvPicPr>
+          <p:nvPr/>
+        </p:nvPicPr>
+        <p:blipFill>
+          <a:blip r:embed="rId3"/>
+          <a:stretch>
+            <a:fillRect/>
+          </a:stretch>
+        </p:blipFill>
+        <p:spPr>
+          <a:xfrm>
+            <a:off x="6877686" y="7620"/>
+            <a:ext cx="3772535" cy="673100"/>
+          </a:xfrm>
+          <a:prstGeom prst="rect">
+            <a:avLst/>
+          </a:prstGeom>
+        </p:spPr>
+      </p:pic>
     </p:spTree>
     <p:extLst>
       <p:ext uri="{BB962C8B-B14F-4D97-AF65-F5344CB8AC3E}">
